--- a/LIVRABLE-2/Présentation livrable 2.pptx
+++ b/LIVRABLE-2/Présentation livrable 2.pptx
@@ -5,14 +5,15 @@
     <p:sldMasterId id="2147483669" r:id="rId1"/>
   </p:sldMasterIdLst>
   <p:notesMasterIdLst>
-    <p:notesMasterId r:id="rId7"/>
+    <p:notesMasterId r:id="rId8"/>
   </p:notesMasterIdLst>
   <p:sldIdLst>
     <p:sldId id="256" r:id="rId2"/>
     <p:sldId id="257" r:id="rId3"/>
     <p:sldId id="267" r:id="rId4"/>
     <p:sldId id="266" r:id="rId5"/>
-    <p:sldId id="265" r:id="rId6"/>
+    <p:sldId id="269" r:id="rId6"/>
+    <p:sldId id="265" r:id="rId7"/>
   </p:sldIdLst>
   <p:sldSz cx="12192000" cy="6858000"/>
   <p:notesSz cx="6858000" cy="9144000"/>
@@ -863,6 +864,105 @@
           <a:bodyPr/>
           <a:lstStyle/>
           <a:p>
+            <a:r>
+              <a:rPr lang="fr-FR" sz="1200" kern="1200" dirty="0">
+                <a:solidFill>
+                  <a:schemeClr val="tx1"/>
+                </a:solidFill>
+                <a:effectLst/>
+                <a:latin typeface="+mn-lt"/>
+                <a:ea typeface="+mn-ea"/>
+                <a:cs typeface="+mn-cs"/>
+              </a:rPr>
+              <a:t>Scrum Master : Allan BROCHARD </a:t>
+            </a:r>
+          </a:p>
+          <a:p>
+            <a:r>
+              <a:rPr lang="fr-FR" sz="1200" kern="1200" dirty="0">
+                <a:solidFill>
+                  <a:schemeClr val="tx1"/>
+                </a:solidFill>
+                <a:effectLst/>
+                <a:latin typeface="+mn-lt"/>
+                <a:ea typeface="+mn-ea"/>
+                <a:cs typeface="+mn-cs"/>
+              </a:rPr>
+              <a:t>Product </a:t>
+            </a:r>
+            <a:r>
+              <a:rPr lang="fr-FR" sz="1200" kern="1200" dirty="0" err="1">
+                <a:solidFill>
+                  <a:schemeClr val="tx1"/>
+                </a:solidFill>
+                <a:effectLst/>
+                <a:latin typeface="+mn-lt"/>
+                <a:ea typeface="+mn-ea"/>
+                <a:cs typeface="+mn-cs"/>
+              </a:rPr>
+              <a:t>Owner</a:t>
+            </a:r>
+            <a:r>
+              <a:rPr lang="fr-FR" sz="1200" kern="1200" dirty="0">
+                <a:solidFill>
+                  <a:schemeClr val="tx1"/>
+                </a:solidFill>
+                <a:effectLst/>
+                <a:latin typeface="+mn-lt"/>
+                <a:ea typeface="+mn-ea"/>
+                <a:cs typeface="+mn-cs"/>
+              </a:rPr>
+              <a:t> : Romain CHRETIEN</a:t>
+            </a:r>
+          </a:p>
+          <a:p>
+            <a:r>
+              <a:rPr lang="en-US" sz="1200" kern="1200" dirty="0">
+                <a:solidFill>
+                  <a:schemeClr val="tx1"/>
+                </a:solidFill>
+                <a:effectLst/>
+                <a:latin typeface="+mn-lt"/>
+                <a:ea typeface="+mn-ea"/>
+                <a:cs typeface="+mn-cs"/>
+              </a:rPr>
+              <a:t>Team de </a:t>
+            </a:r>
+            <a:r>
+              <a:rPr lang="fr-FR" sz="1200" kern="1200" dirty="0">
+                <a:solidFill>
+                  <a:schemeClr val="tx1"/>
+                </a:solidFill>
+                <a:effectLst/>
+                <a:latin typeface="+mn-lt"/>
+                <a:ea typeface="+mn-ea"/>
+                <a:cs typeface="+mn-cs"/>
+              </a:rPr>
+              <a:t>développement</a:t>
+            </a:r>
+            <a:r>
+              <a:rPr lang="en-US" sz="1200" kern="1200" dirty="0">
+                <a:solidFill>
+                  <a:schemeClr val="tx1"/>
+                </a:solidFill>
+                <a:effectLst/>
+                <a:latin typeface="+mn-lt"/>
+                <a:ea typeface="+mn-ea"/>
+                <a:cs typeface="+mn-cs"/>
+              </a:rPr>
+              <a:t>: Valentin HALLAY, Ulrich HASSED</a:t>
+            </a:r>
+            <a:endParaRPr lang="fr-FR" sz="1200" kern="1200" dirty="0">
+              <a:solidFill>
+                <a:schemeClr val="tx1"/>
+              </a:solidFill>
+              <a:effectLst/>
+              <a:latin typeface="+mn-lt"/>
+              <a:ea typeface="+mn-ea"/>
+              <a:cs typeface="+mn-cs"/>
+            </a:endParaRPr>
+          </a:p>
+          <a:p>
             <a:endParaRPr lang="fr-FR" dirty="0"/>
           </a:p>
         </p:txBody>
@@ -885,6 +985,90 @@
             <a:fld id="{A4398319-E21C-4226-9771-24912F5B4C11}" type="slidenum">
               <a:rPr lang="fr-FR" smtClean="0"/>
               <a:t>5</a:t>
+            </a:fld>
+            <a:endParaRPr lang="fr-FR"/>
+          </a:p>
+        </p:txBody>
+      </p:sp>
+    </p:spTree>
+    <p:extLst>
+      <p:ext uri="{BB962C8B-B14F-4D97-AF65-F5344CB8AC3E}">
+        <p14:creationId xmlns:p14="http://schemas.microsoft.com/office/powerpoint/2010/main" val="3319612208"/>
+      </p:ext>
+    </p:extLst>
+  </p:cSld>
+  <p:clrMapOvr>
+    <a:masterClrMapping/>
+  </p:clrMapOvr>
+</p:notes>
+</file>
+
+<file path=ppt/notesSlides/notesSlide5.xml><?xml version="1.0" encoding="utf-8"?>
+<p:notes xmlns:a="http://schemas.openxmlformats.org/drawingml/2006/main" xmlns:r="http://schemas.openxmlformats.org/officeDocument/2006/relationships" xmlns:p="http://schemas.openxmlformats.org/presentationml/2006/main">
+  <p:cSld>
+    <p:spTree>
+      <p:nvGrpSpPr>
+        <p:cNvPr id="1" name=""/>
+        <p:cNvGrpSpPr/>
+        <p:nvPr/>
+      </p:nvGrpSpPr>
+      <p:grpSpPr>
+        <a:xfrm>
+          <a:off x="0" y="0"/>
+          <a:ext cx="0" cy="0"/>
+          <a:chOff x="0" y="0"/>
+          <a:chExt cx="0" cy="0"/>
+        </a:xfrm>
+      </p:grpSpPr>
+      <p:sp>
+        <p:nvSpPr>
+          <p:cNvPr id="2" name="Espace réservé de l'image des diapositives 1"/>
+          <p:cNvSpPr>
+            <a:spLocks noGrp="1" noRot="1" noChangeAspect="1"/>
+          </p:cNvSpPr>
+          <p:nvPr>
+            <p:ph type="sldImg"/>
+          </p:nvPr>
+        </p:nvSpPr>
+        <p:spPr/>
+      </p:sp>
+      <p:sp>
+        <p:nvSpPr>
+          <p:cNvPr id="3" name="Espace réservé des notes 2"/>
+          <p:cNvSpPr>
+            <a:spLocks noGrp="1"/>
+          </p:cNvSpPr>
+          <p:nvPr>
+            <p:ph type="body" idx="1"/>
+          </p:nvPr>
+        </p:nvSpPr>
+        <p:spPr/>
+        <p:txBody>
+          <a:bodyPr/>
+          <a:lstStyle/>
+          <a:p>
+            <a:endParaRPr lang="fr-FR" dirty="0"/>
+          </a:p>
+        </p:txBody>
+      </p:sp>
+      <p:sp>
+        <p:nvSpPr>
+          <p:cNvPr id="4" name="Espace réservé du numéro de diapositive 3"/>
+          <p:cNvSpPr>
+            <a:spLocks noGrp="1"/>
+          </p:cNvSpPr>
+          <p:nvPr>
+            <p:ph type="sldNum" sz="quarter" idx="5"/>
+          </p:nvPr>
+        </p:nvSpPr>
+        <p:spPr/>
+        <p:txBody>
+          <a:bodyPr/>
+          <a:lstStyle/>
+          <a:p>
+            <a:fld id="{A4398319-E21C-4226-9771-24912F5B4C11}" type="slidenum">
+              <a:rPr lang="fr-FR" smtClean="0"/>
+              <a:t>6</a:t>
             </a:fld>
             <a:endParaRPr lang="fr-FR"/>
           </a:p>
@@ -9321,8 +9505,8 @@
         </p:nvSpPr>
         <p:spPr>
           <a:xfrm>
-            <a:off x="680321" y="753228"/>
-            <a:ext cx="4136123" cy="1080938"/>
+            <a:off x="409218" y="749452"/>
+            <a:ext cx="2665307" cy="1080938"/>
           </a:xfrm>
         </p:spPr>
         <p:txBody>
@@ -9333,7 +9517,7 @@
           <a:p>
             <a:r>
               <a:rPr lang="fr-FR" sz="2400" dirty="0"/>
-              <a:t>Template</a:t>
+              <a:t>Modèle Conceptuel de Données (MCD)</a:t>
             </a:r>
           </a:p>
         </p:txBody>
@@ -9385,6 +9569,104 @@
       </p:pic>
       <p:pic>
         <p:nvPicPr>
+          <p:cNvPr id="9" name="Image 8">
+            <a:extLst>
+              <a:ext uri="{FF2B5EF4-FFF2-40B4-BE49-F238E27FC236}">
+                <a16:creationId xmlns:a16="http://schemas.microsoft.com/office/drawing/2014/main" id="{FE261928-AFAC-4AB4-BB48-44B4D1B102A0}"/>
+              </a:ext>
+            </a:extLst>
+          </p:cNvPr>
+          <p:cNvPicPr>
+            <a:picLocks noChangeAspect="1"/>
+          </p:cNvPicPr>
+          <p:nvPr/>
+        </p:nvPicPr>
+        <p:blipFill>
+          <a:blip r:embed="rId5"/>
+          <a:stretch>
+            <a:fillRect/>
+          </a:stretch>
+        </p:blipFill>
+        <p:spPr>
+          <a:xfrm>
+            <a:off x="2687678" y="413660"/>
+            <a:ext cx="9328082" cy="6030677"/>
+          </a:xfrm>
+          <a:prstGeom prst="rect">
+            <a:avLst/>
+          </a:prstGeom>
+        </p:spPr>
+      </p:pic>
+    </p:spTree>
+    <p:extLst>
+      <p:ext uri="{BB962C8B-B14F-4D97-AF65-F5344CB8AC3E}">
+        <p14:creationId xmlns:p14="http://schemas.microsoft.com/office/powerpoint/2010/main" val="1136876084"/>
+      </p:ext>
+    </p:extLst>
+  </p:cSld>
+  <p:clrMapOvr>
+    <a:masterClrMapping/>
+  </p:clrMapOvr>
+  <p:transition spd="slow">
+    <p:push dir="u"/>
+  </p:transition>
+</p:sld>
+</file>
+
+<file path=ppt/slides/slide5.xml><?xml version="1.0" encoding="utf-8"?>
+<p:sld xmlns:a="http://schemas.openxmlformats.org/drawingml/2006/main" xmlns:r="http://schemas.openxmlformats.org/officeDocument/2006/relationships" xmlns:p="http://schemas.openxmlformats.org/presentationml/2006/main">
+  <p:cSld>
+    <p:spTree>
+      <p:nvGrpSpPr>
+        <p:cNvPr id="1" name=""/>
+        <p:cNvGrpSpPr/>
+        <p:nvPr/>
+      </p:nvGrpSpPr>
+      <p:grpSpPr>
+        <a:xfrm>
+          <a:off x="0" y="0"/>
+          <a:ext cx="0" cy="0"/>
+          <a:chOff x="0" y="0"/>
+          <a:chExt cx="0" cy="0"/>
+        </a:xfrm>
+      </p:grpSpPr>
+      <p:sp>
+        <p:nvSpPr>
+          <p:cNvPr id="2" name="Titre 1">
+            <a:extLst>
+              <a:ext uri="{FF2B5EF4-FFF2-40B4-BE49-F238E27FC236}">
+                <a16:creationId xmlns:a16="http://schemas.microsoft.com/office/drawing/2014/main" id="{DE93A4C5-D996-4153-90C2-3FE2F16C9C7D}"/>
+              </a:ext>
+            </a:extLst>
+          </p:cNvPr>
+          <p:cNvSpPr>
+            <a:spLocks noGrp="1"/>
+          </p:cNvSpPr>
+          <p:nvPr>
+            <p:ph type="title"/>
+          </p:nvPr>
+        </p:nvSpPr>
+        <p:spPr>
+          <a:xfrm>
+            <a:off x="680321" y="753228"/>
+            <a:ext cx="4136123" cy="1080938"/>
+          </a:xfrm>
+        </p:spPr>
+        <p:txBody>
+          <a:bodyPr>
+            <a:normAutofit/>
+          </a:bodyPr>
+          <a:lstStyle/>
+          <a:p>
+            <a:r>
+              <a:rPr lang="fr-FR" sz="2400" dirty="0"/>
+              <a:t>Template</a:t>
+            </a:r>
+          </a:p>
+        </p:txBody>
+      </p:sp>
+      <p:pic>
+        <p:nvPicPr>
           <p:cNvPr id="2053" name="Picture 2" descr="RÃ©sultat de recherche d'images pour &quot;equipe developpement contente&quot;">
             <a:extLst>
               <a:ext uri="{FF2B5EF4-FFF2-40B4-BE49-F238E27FC236}">
@@ -9398,7 +9680,7 @@
           <p:nvPr/>
         </p:nvPicPr>
         <p:blipFill>
-          <a:blip r:embed="rId5">
+          <a:blip r:embed="rId3">
             <a:extLst>
               <a:ext uri="{28A0092B-C50C-407E-A947-70E740481C1C}">
                 <a14:useLocalDpi xmlns:a14="http://schemas.microsoft.com/office/drawing/2010/main" val="0"/>
@@ -9442,7 +9724,7 @@
     </p:spTree>
     <p:extLst>
       <p:ext uri="{BB962C8B-B14F-4D97-AF65-F5344CB8AC3E}">
-        <p14:creationId xmlns:p14="http://schemas.microsoft.com/office/powerpoint/2010/main" val="1136876084"/>
+        <p14:creationId xmlns:p14="http://schemas.microsoft.com/office/powerpoint/2010/main" val="102122366"/>
       </p:ext>
     </p:extLst>
   </p:cSld>
@@ -9455,7 +9737,7 @@
 </p:sld>
 </file>
 
-<file path=ppt/slides/slide5.xml><?xml version="1.0" encoding="utf-8"?>
+<file path=ppt/slides/slide6.xml><?xml version="1.0" encoding="utf-8"?>
 <p:sld xmlns:a="http://schemas.openxmlformats.org/drawingml/2006/main" xmlns:r="http://schemas.openxmlformats.org/officeDocument/2006/relationships" xmlns:p="http://schemas.openxmlformats.org/presentationml/2006/main">
   <p:cSld>
     <p:spTree>

--- a/LIVRABLE-2/Présentation livrable 2.pptx
+++ b/LIVRABLE-2/Présentation livrable 2.pptx
@@ -202,7 +202,7 @@
           <a:p>
             <a:fld id="{060992A3-AC5D-4E20-9098-8DC8227FE330}" type="datetimeFigureOut">
               <a:rPr lang="fr-FR" smtClean="0"/>
-              <a:t>16/08/2019</a:t>
+              <a:t>18/08/2019</a:t>
             </a:fld>
             <a:endParaRPr lang="fr-FR"/>
           </a:p>
@@ -1362,7 +1362,7 @@
             <a:fld id="{B61BEF0D-F0BB-DE4B-95CE-6DB70DBA9567}" type="datetimeFigureOut">
               <a:rPr lang="en-US" smtClean="0"/>
               <a:pPr/>
-              <a:t>8/16/2019</a:t>
+              <a:t>8/18/2019</a:t>
             </a:fld>
             <a:endParaRPr lang="en-US" dirty="0"/>
           </a:p>
@@ -1778,7 +1778,7 @@
             <a:fld id="{B61BEF0D-F0BB-DE4B-95CE-6DB70DBA9567}" type="datetimeFigureOut">
               <a:rPr lang="en-US" smtClean="0"/>
               <a:pPr/>
-              <a:t>8/16/2019</a:t>
+              <a:t>8/18/2019</a:t>
             </a:fld>
             <a:endParaRPr lang="en-US" dirty="0"/>
           </a:p>
@@ -2116,7 +2116,7 @@
             <a:fld id="{B61BEF0D-F0BB-DE4B-95CE-6DB70DBA9567}" type="datetimeFigureOut">
               <a:rPr lang="en-US" smtClean="0"/>
               <a:pPr/>
-              <a:t>8/16/2019</a:t>
+              <a:t>8/18/2019</a:t>
             </a:fld>
             <a:endParaRPr lang="en-US" dirty="0"/>
           </a:p>
@@ -2523,7 +2523,7 @@
             <a:fld id="{B61BEF0D-F0BB-DE4B-95CE-6DB70DBA9567}" type="datetimeFigureOut">
               <a:rPr lang="en-US" smtClean="0"/>
               <a:pPr/>
-              <a:t>8/16/2019</a:t>
+              <a:t>8/18/2019</a:t>
             </a:fld>
             <a:endParaRPr lang="en-US" dirty="0"/>
           </a:p>
@@ -3093,7 +3093,7 @@
             <a:fld id="{B61BEF0D-F0BB-DE4B-95CE-6DB70DBA9567}" type="datetimeFigureOut">
               <a:rPr lang="en-US" smtClean="0"/>
               <a:pPr/>
-              <a:t>8/16/2019</a:t>
+              <a:t>8/18/2019</a:t>
             </a:fld>
             <a:endParaRPr lang="en-US" dirty="0"/>
           </a:p>
@@ -3776,7 +3776,7 @@
             <a:fld id="{B61BEF0D-F0BB-DE4B-95CE-6DB70DBA9567}" type="datetimeFigureOut">
               <a:rPr lang="en-US" smtClean="0"/>
               <a:pPr/>
-              <a:t>8/16/2019</a:t>
+              <a:t>8/18/2019</a:t>
             </a:fld>
             <a:endParaRPr lang="en-US" dirty="0"/>
           </a:p>
@@ -4691,7 +4691,7 @@
             <a:fld id="{B61BEF0D-F0BB-DE4B-95CE-6DB70DBA9567}" type="datetimeFigureOut">
               <a:rPr lang="en-US" smtClean="0"/>
               <a:pPr/>
-              <a:t>8/16/2019</a:t>
+              <a:t>8/18/2019</a:t>
             </a:fld>
             <a:endParaRPr lang="en-US" dirty="0"/>
           </a:p>
@@ -5006,7 +5006,7 @@
             <a:fld id="{B61BEF0D-F0BB-DE4B-95CE-6DB70DBA9567}" type="datetimeFigureOut">
               <a:rPr lang="en-US" smtClean="0"/>
               <a:pPr/>
-              <a:t>8/16/2019</a:t>
+              <a:t>8/18/2019</a:t>
             </a:fld>
             <a:endParaRPr lang="en-US" dirty="0"/>
           </a:p>
@@ -5272,7 +5272,7 @@
             <a:fld id="{B61BEF0D-F0BB-DE4B-95CE-6DB70DBA9567}" type="datetimeFigureOut">
               <a:rPr lang="en-US" smtClean="0"/>
               <a:pPr/>
-              <a:t>8/16/2019</a:t>
+              <a:t>8/18/2019</a:t>
             </a:fld>
             <a:endParaRPr lang="en-US" dirty="0"/>
           </a:p>
@@ -5597,7 +5597,7 @@
             <a:fld id="{B61BEF0D-F0BB-DE4B-95CE-6DB70DBA9567}" type="datetimeFigureOut">
               <a:rPr lang="en-US" smtClean="0"/>
               <a:pPr/>
-              <a:t>8/16/2019</a:t>
+              <a:t>8/18/2019</a:t>
             </a:fld>
             <a:endParaRPr lang="en-US" dirty="0"/>
           </a:p>
@@ -5988,7 +5988,7 @@
             <a:fld id="{B61BEF0D-F0BB-DE4B-95CE-6DB70DBA9567}" type="datetimeFigureOut">
               <a:rPr lang="en-US" smtClean="0"/>
               <a:pPr/>
-              <a:t>8/16/2019</a:t>
+              <a:t>8/18/2019</a:t>
             </a:fld>
             <a:endParaRPr lang="en-US" dirty="0"/>
           </a:p>
@@ -6366,7 +6366,7 @@
             <a:fld id="{B61BEF0D-F0BB-DE4B-95CE-6DB70DBA9567}" type="datetimeFigureOut">
               <a:rPr lang="en-US" smtClean="0"/>
               <a:pPr/>
-              <a:t>8/16/2019</a:t>
+              <a:t>8/18/2019</a:t>
             </a:fld>
             <a:endParaRPr lang="en-US" dirty="0"/>
           </a:p>
@@ -6874,7 +6874,7 @@
             <a:fld id="{B61BEF0D-F0BB-DE4B-95CE-6DB70DBA9567}" type="datetimeFigureOut">
               <a:rPr lang="en-US" smtClean="0"/>
               <a:pPr/>
-              <a:t>8/16/2019</a:t>
+              <a:t>8/18/2019</a:t>
             </a:fld>
             <a:endParaRPr lang="en-US" dirty="0"/>
           </a:p>
@@ -7133,7 +7133,7 @@
             <a:fld id="{B61BEF0D-F0BB-DE4B-95CE-6DB70DBA9567}" type="datetimeFigureOut">
               <a:rPr lang="en-US" smtClean="0"/>
               <a:pPr/>
-              <a:t>8/16/2019</a:t>
+              <a:t>8/18/2019</a:t>
             </a:fld>
             <a:endParaRPr lang="en-US" dirty="0"/>
           </a:p>
@@ -7298,7 +7298,7 @@
             <a:fld id="{B61BEF0D-F0BB-DE4B-95CE-6DB70DBA9567}" type="datetimeFigureOut">
               <a:rPr lang="en-US" smtClean="0"/>
               <a:pPr/>
-              <a:t>8/16/2019</a:t>
+              <a:t>8/18/2019</a:t>
             </a:fld>
             <a:endParaRPr lang="en-US" dirty="0"/>
           </a:p>
@@ -7690,7 +7690,7 @@
             <a:fld id="{B61BEF0D-F0BB-DE4B-95CE-6DB70DBA9567}" type="datetimeFigureOut">
               <a:rPr lang="en-US" smtClean="0"/>
               <a:pPr/>
-              <a:t>8/16/2019</a:t>
+              <a:t>8/18/2019</a:t>
             </a:fld>
             <a:endParaRPr lang="en-US" dirty="0"/>
           </a:p>
@@ -8101,7 +8101,7 @@
             <a:fld id="{B61BEF0D-F0BB-DE4B-95CE-6DB70DBA9567}" type="datetimeFigureOut">
               <a:rPr lang="en-US" smtClean="0"/>
               <a:pPr/>
-              <a:t>8/16/2019</a:t>
+              <a:t>8/18/2019</a:t>
             </a:fld>
             <a:endParaRPr lang="en-US" dirty="0"/>
           </a:p>
@@ -8347,7 +8347,7 @@
             <a:fld id="{B61BEF0D-F0BB-DE4B-95CE-6DB70DBA9567}" type="datetimeFigureOut">
               <a:rPr lang="en-US" smtClean="0"/>
               <a:pPr/>
-              <a:t>8/16/2019</a:t>
+              <a:t>8/18/2019</a:t>
             </a:fld>
             <a:endParaRPr lang="en-US" dirty="0"/>
           </a:p>
@@ -9569,10 +9569,10 @@
       </p:pic>
       <p:pic>
         <p:nvPicPr>
-          <p:cNvPr id="9" name="Image 8">
+          <p:cNvPr id="4" name="Image 3" descr="Une image contenant texte&#10;&#10;Description générée automatiquement">
             <a:extLst>
               <a:ext uri="{FF2B5EF4-FFF2-40B4-BE49-F238E27FC236}">
-                <a16:creationId xmlns:a16="http://schemas.microsoft.com/office/drawing/2014/main" id="{FE261928-AFAC-4AB4-BB48-44B4D1B102A0}"/>
+                <a16:creationId xmlns:a16="http://schemas.microsoft.com/office/drawing/2014/main" id="{CD9B4CAE-8F1F-475E-A11E-FD13BC150542}"/>
               </a:ext>
             </a:extLst>
           </p:cNvPr>
@@ -9589,8 +9589,8 @@
         </p:blipFill>
         <p:spPr>
           <a:xfrm>
-            <a:off x="2687678" y="413660"/>
-            <a:ext cx="9328082" cy="6030677"/>
+            <a:off x="3184263" y="384467"/>
+            <a:ext cx="8709031" cy="6089064"/>
           </a:xfrm>
           <a:prstGeom prst="rect">
             <a:avLst/>
